--- a/flow.pptx
+++ b/flow.pptx
@@ -6,6 +6,7 @@
   </p:sldMasterIdLst>
   <p:sldIdLst>
     <p:sldId id="256" r:id="rId2"/>
+    <p:sldId id="257" r:id="rId3"/>
   </p:sldIdLst>
   <p:sldSz cx="12192000" cy="6858000"/>
   <p:notesSz cx="6858000" cy="9144000"/>
@@ -243,7 +244,7 @@
           <a:p>
             <a:fld id="{3DAE7E78-6AAD-433D-A798-101F556D6746}" type="datetimeFigureOut">
               <a:rPr lang="en-US" smtClean="0"/>
-              <a:t>3/5/2018</a:t>
+              <a:t>3/6/2018</a:t>
             </a:fld>
             <a:endParaRPr lang="en-US"/>
           </a:p>
@@ -413,7 +414,7 @@
           <a:p>
             <a:fld id="{3DAE7E78-6AAD-433D-A798-101F556D6746}" type="datetimeFigureOut">
               <a:rPr lang="en-US" smtClean="0"/>
-              <a:t>3/5/2018</a:t>
+              <a:t>3/6/2018</a:t>
             </a:fld>
             <a:endParaRPr lang="en-US"/>
           </a:p>
@@ -593,7 +594,7 @@
           <a:p>
             <a:fld id="{3DAE7E78-6AAD-433D-A798-101F556D6746}" type="datetimeFigureOut">
               <a:rPr lang="en-US" smtClean="0"/>
-              <a:t>3/5/2018</a:t>
+              <a:t>3/6/2018</a:t>
             </a:fld>
             <a:endParaRPr lang="en-US"/>
           </a:p>
@@ -763,7 +764,7 @@
           <a:p>
             <a:fld id="{3DAE7E78-6AAD-433D-A798-101F556D6746}" type="datetimeFigureOut">
               <a:rPr lang="en-US" smtClean="0"/>
-              <a:t>3/5/2018</a:t>
+              <a:t>3/6/2018</a:t>
             </a:fld>
             <a:endParaRPr lang="en-US"/>
           </a:p>
@@ -1009,7 +1010,7 @@
           <a:p>
             <a:fld id="{3DAE7E78-6AAD-433D-A798-101F556D6746}" type="datetimeFigureOut">
               <a:rPr lang="en-US" smtClean="0"/>
-              <a:t>3/5/2018</a:t>
+              <a:t>3/6/2018</a:t>
             </a:fld>
             <a:endParaRPr lang="en-US"/>
           </a:p>
@@ -1241,7 +1242,7 @@
           <a:p>
             <a:fld id="{3DAE7E78-6AAD-433D-A798-101F556D6746}" type="datetimeFigureOut">
               <a:rPr lang="en-US" smtClean="0"/>
-              <a:t>3/5/2018</a:t>
+              <a:t>3/6/2018</a:t>
             </a:fld>
             <a:endParaRPr lang="en-US"/>
           </a:p>
@@ -1608,7 +1609,7 @@
           <a:p>
             <a:fld id="{3DAE7E78-6AAD-433D-A798-101F556D6746}" type="datetimeFigureOut">
               <a:rPr lang="en-US" smtClean="0"/>
-              <a:t>3/5/2018</a:t>
+              <a:t>3/6/2018</a:t>
             </a:fld>
             <a:endParaRPr lang="en-US"/>
           </a:p>
@@ -1726,7 +1727,7 @@
           <a:p>
             <a:fld id="{3DAE7E78-6AAD-433D-A798-101F556D6746}" type="datetimeFigureOut">
               <a:rPr lang="en-US" smtClean="0"/>
-              <a:t>3/5/2018</a:t>
+              <a:t>3/6/2018</a:t>
             </a:fld>
             <a:endParaRPr lang="en-US"/>
           </a:p>
@@ -1821,7 +1822,7 @@
           <a:p>
             <a:fld id="{3DAE7E78-6AAD-433D-A798-101F556D6746}" type="datetimeFigureOut">
               <a:rPr lang="en-US" smtClean="0"/>
-              <a:t>3/5/2018</a:t>
+              <a:t>3/6/2018</a:t>
             </a:fld>
             <a:endParaRPr lang="en-US"/>
           </a:p>
@@ -2098,7 +2099,7 @@
           <a:p>
             <a:fld id="{3DAE7E78-6AAD-433D-A798-101F556D6746}" type="datetimeFigureOut">
               <a:rPr lang="en-US" smtClean="0"/>
-              <a:t>3/5/2018</a:t>
+              <a:t>3/6/2018</a:t>
             </a:fld>
             <a:endParaRPr lang="en-US"/>
           </a:p>
@@ -2351,7 +2352,7 @@
           <a:p>
             <a:fld id="{3DAE7E78-6AAD-433D-A798-101F556D6746}" type="datetimeFigureOut">
               <a:rPr lang="en-US" smtClean="0"/>
-              <a:t>3/5/2018</a:t>
+              <a:t>3/6/2018</a:t>
             </a:fld>
             <a:endParaRPr lang="en-US"/>
           </a:p>
@@ -2564,7 +2565,7 @@
           <a:p>
             <a:fld id="{3DAE7E78-6AAD-433D-A798-101F556D6746}" type="datetimeFigureOut">
               <a:rPr lang="en-US" smtClean="0"/>
-              <a:t>3/5/2018</a:t>
+              <a:t>3/6/2018</a:t>
             </a:fld>
             <a:endParaRPr lang="en-US"/>
           </a:p>
@@ -2969,6 +2970,36 @@
           <a:chExt cx="0" cy="0"/>
         </a:xfrm>
       </p:grpSpPr>
+      <p:pic>
+        <p:nvPicPr>
+          <p:cNvPr id="2" name="Picture 1"/>
+          <p:cNvPicPr>
+            <a:picLocks noChangeAspect="1"/>
+          </p:cNvPicPr>
+          <p:nvPr/>
+        </p:nvPicPr>
+        <p:blipFill>
+          <a:blip r:embed="rId2">
+            <a:extLst>
+              <a:ext uri="{28A0092B-C50C-407E-A947-70E740481C1C}">
+                <a14:useLocalDpi xmlns:a14="http://schemas.microsoft.com/office/drawing/2010/main" val="0"/>
+              </a:ext>
+            </a:extLst>
+          </a:blip>
+          <a:stretch>
+            <a:fillRect/>
+          </a:stretch>
+        </p:blipFill>
+        <p:spPr>
+          <a:xfrm>
+            <a:off x="693915" y="344308"/>
+            <a:ext cx="10058400" cy="5705952"/>
+          </a:xfrm>
+          <a:prstGeom prst="rect">
+            <a:avLst/>
+          </a:prstGeom>
+        </p:spPr>
+      </p:pic>
     </p:spTree>
     <p:extLst>
       <p:ext uri="{BB962C8B-B14F-4D97-AF65-F5344CB8AC3E}">
@@ -2979,6 +3010,80 @@
   <p:clrMapOvr>
     <a:masterClrMapping/>
   </p:clrMapOvr>
+  <p:timing>
+    <p:tnLst>
+      <p:par>
+        <p:cTn id="1" dur="indefinite" restart="never" nodeType="tmRoot"/>
+      </p:par>
+    </p:tnLst>
+  </p:timing>
+</p:sld>
+</file>
+
+<file path=ppt/slides/slide2.xml><?xml version="1.0" encoding="utf-8"?>
+<p:sld xmlns:a="http://schemas.openxmlformats.org/drawingml/2006/main" xmlns:r="http://schemas.openxmlformats.org/officeDocument/2006/relationships" xmlns:p="http://schemas.openxmlformats.org/presentationml/2006/main">
+  <p:cSld>
+    <p:spTree>
+      <p:nvGrpSpPr>
+        <p:cNvPr id="1" name=""/>
+        <p:cNvGrpSpPr/>
+        <p:nvPr/>
+      </p:nvGrpSpPr>
+      <p:grpSpPr>
+        <a:xfrm>
+          <a:off x="0" y="0"/>
+          <a:ext cx="0" cy="0"/>
+          <a:chOff x="0" y="0"/>
+          <a:chExt cx="0" cy="0"/>
+        </a:xfrm>
+      </p:grpSpPr>
+      <p:pic>
+        <p:nvPicPr>
+          <p:cNvPr id="4" name="Picture 3"/>
+          <p:cNvPicPr>
+            <a:picLocks noChangeAspect="1"/>
+          </p:cNvPicPr>
+          <p:nvPr/>
+        </p:nvPicPr>
+        <p:blipFill>
+          <a:blip r:embed="rId2">
+            <a:extLst>
+              <a:ext uri="{28A0092B-C50C-407E-A947-70E740481C1C}">
+                <a14:useLocalDpi xmlns:a14="http://schemas.microsoft.com/office/drawing/2010/main" val="0"/>
+              </a:ext>
+            </a:extLst>
+          </a:blip>
+          <a:stretch>
+            <a:fillRect/>
+          </a:stretch>
+        </p:blipFill>
+        <p:spPr>
+          <a:xfrm>
+            <a:off x="2918799" y="231819"/>
+            <a:ext cx="6122170" cy="6501941"/>
+          </a:xfrm>
+          <a:prstGeom prst="rect">
+            <a:avLst/>
+          </a:prstGeom>
+        </p:spPr>
+      </p:pic>
+    </p:spTree>
+    <p:extLst>
+      <p:ext uri="{BB962C8B-B14F-4D97-AF65-F5344CB8AC3E}">
+        <p14:creationId xmlns:p14="http://schemas.microsoft.com/office/powerpoint/2010/main" val="2554799438"/>
+      </p:ext>
+    </p:extLst>
+  </p:cSld>
+  <p:clrMapOvr>
+    <a:masterClrMapping/>
+  </p:clrMapOvr>
+  <p:timing>
+    <p:tnLst>
+      <p:par>
+        <p:cTn id="1" dur="indefinite" restart="never" nodeType="tmRoot"/>
+      </p:par>
+    </p:tnLst>
+  </p:timing>
 </p:sld>
 </file>
 

--- a/flow.pptx
+++ b/flow.pptx
@@ -6,7 +6,6 @@
   </p:sldMasterIdLst>
   <p:sldIdLst>
     <p:sldId id="256" r:id="rId2"/>
-    <p:sldId id="257" r:id="rId3"/>
   </p:sldIdLst>
   <p:sldSz cx="12192000" cy="6858000"/>
   <p:notesSz cx="6858000" cy="9144000"/>
@@ -244,7 +243,7 @@
           <a:p>
             <a:fld id="{3DAE7E78-6AAD-433D-A798-101F556D6746}" type="datetimeFigureOut">
               <a:rPr lang="en-US" smtClean="0"/>
-              <a:t>3/6/2018</a:t>
+              <a:t>3/5/2018</a:t>
             </a:fld>
             <a:endParaRPr lang="en-US"/>
           </a:p>
@@ -414,7 +413,7 @@
           <a:p>
             <a:fld id="{3DAE7E78-6AAD-433D-A798-101F556D6746}" type="datetimeFigureOut">
               <a:rPr lang="en-US" smtClean="0"/>
-              <a:t>3/6/2018</a:t>
+              <a:t>3/5/2018</a:t>
             </a:fld>
             <a:endParaRPr lang="en-US"/>
           </a:p>
@@ -594,7 +593,7 @@
           <a:p>
             <a:fld id="{3DAE7E78-6AAD-433D-A798-101F556D6746}" type="datetimeFigureOut">
               <a:rPr lang="en-US" smtClean="0"/>
-              <a:t>3/6/2018</a:t>
+              <a:t>3/5/2018</a:t>
             </a:fld>
             <a:endParaRPr lang="en-US"/>
           </a:p>
@@ -764,7 +763,7 @@
           <a:p>
             <a:fld id="{3DAE7E78-6AAD-433D-A798-101F556D6746}" type="datetimeFigureOut">
               <a:rPr lang="en-US" smtClean="0"/>
-              <a:t>3/6/2018</a:t>
+              <a:t>3/5/2018</a:t>
             </a:fld>
             <a:endParaRPr lang="en-US"/>
           </a:p>
@@ -1010,7 +1009,7 @@
           <a:p>
             <a:fld id="{3DAE7E78-6AAD-433D-A798-101F556D6746}" type="datetimeFigureOut">
               <a:rPr lang="en-US" smtClean="0"/>
-              <a:t>3/6/2018</a:t>
+              <a:t>3/5/2018</a:t>
             </a:fld>
             <a:endParaRPr lang="en-US"/>
           </a:p>
@@ -1242,7 +1241,7 @@
           <a:p>
             <a:fld id="{3DAE7E78-6AAD-433D-A798-101F556D6746}" type="datetimeFigureOut">
               <a:rPr lang="en-US" smtClean="0"/>
-              <a:t>3/6/2018</a:t>
+              <a:t>3/5/2018</a:t>
             </a:fld>
             <a:endParaRPr lang="en-US"/>
           </a:p>
@@ -1609,7 +1608,7 @@
           <a:p>
             <a:fld id="{3DAE7E78-6AAD-433D-A798-101F556D6746}" type="datetimeFigureOut">
               <a:rPr lang="en-US" smtClean="0"/>
-              <a:t>3/6/2018</a:t>
+              <a:t>3/5/2018</a:t>
             </a:fld>
             <a:endParaRPr lang="en-US"/>
           </a:p>
@@ -1727,7 +1726,7 @@
           <a:p>
             <a:fld id="{3DAE7E78-6AAD-433D-A798-101F556D6746}" type="datetimeFigureOut">
               <a:rPr lang="en-US" smtClean="0"/>
-              <a:t>3/6/2018</a:t>
+              <a:t>3/5/2018</a:t>
             </a:fld>
             <a:endParaRPr lang="en-US"/>
           </a:p>
@@ -1822,7 +1821,7 @@
           <a:p>
             <a:fld id="{3DAE7E78-6AAD-433D-A798-101F556D6746}" type="datetimeFigureOut">
               <a:rPr lang="en-US" smtClean="0"/>
-              <a:t>3/6/2018</a:t>
+              <a:t>3/5/2018</a:t>
             </a:fld>
             <a:endParaRPr lang="en-US"/>
           </a:p>
@@ -2099,7 +2098,7 @@
           <a:p>
             <a:fld id="{3DAE7E78-6AAD-433D-A798-101F556D6746}" type="datetimeFigureOut">
               <a:rPr lang="en-US" smtClean="0"/>
-              <a:t>3/6/2018</a:t>
+              <a:t>3/5/2018</a:t>
             </a:fld>
             <a:endParaRPr lang="en-US"/>
           </a:p>
@@ -2352,7 +2351,7 @@
           <a:p>
             <a:fld id="{3DAE7E78-6AAD-433D-A798-101F556D6746}" type="datetimeFigureOut">
               <a:rPr lang="en-US" smtClean="0"/>
-              <a:t>3/6/2018</a:t>
+              <a:t>3/5/2018</a:t>
             </a:fld>
             <a:endParaRPr lang="en-US"/>
           </a:p>
@@ -2565,7 +2564,7 @@
           <a:p>
             <a:fld id="{3DAE7E78-6AAD-433D-A798-101F556D6746}" type="datetimeFigureOut">
               <a:rPr lang="en-US" smtClean="0"/>
-              <a:t>3/6/2018</a:t>
+              <a:t>3/5/2018</a:t>
             </a:fld>
             <a:endParaRPr lang="en-US"/>
           </a:p>
@@ -2970,36 +2969,6 @@
           <a:chExt cx="0" cy="0"/>
         </a:xfrm>
       </p:grpSpPr>
-      <p:pic>
-        <p:nvPicPr>
-          <p:cNvPr id="2" name="Picture 1"/>
-          <p:cNvPicPr>
-            <a:picLocks noChangeAspect="1"/>
-          </p:cNvPicPr>
-          <p:nvPr/>
-        </p:nvPicPr>
-        <p:blipFill>
-          <a:blip r:embed="rId2">
-            <a:extLst>
-              <a:ext uri="{28A0092B-C50C-407E-A947-70E740481C1C}">
-                <a14:useLocalDpi xmlns:a14="http://schemas.microsoft.com/office/drawing/2010/main" val="0"/>
-              </a:ext>
-            </a:extLst>
-          </a:blip>
-          <a:stretch>
-            <a:fillRect/>
-          </a:stretch>
-        </p:blipFill>
-        <p:spPr>
-          <a:xfrm>
-            <a:off x="693915" y="344308"/>
-            <a:ext cx="10058400" cy="5705952"/>
-          </a:xfrm>
-          <a:prstGeom prst="rect">
-            <a:avLst/>
-          </a:prstGeom>
-        </p:spPr>
-      </p:pic>
     </p:spTree>
     <p:extLst>
       <p:ext uri="{BB962C8B-B14F-4D97-AF65-F5344CB8AC3E}">
@@ -3010,80 +2979,6 @@
   <p:clrMapOvr>
     <a:masterClrMapping/>
   </p:clrMapOvr>
-  <p:timing>
-    <p:tnLst>
-      <p:par>
-        <p:cTn id="1" dur="indefinite" restart="never" nodeType="tmRoot"/>
-      </p:par>
-    </p:tnLst>
-  </p:timing>
-</p:sld>
-</file>
-
-<file path=ppt/slides/slide2.xml><?xml version="1.0" encoding="utf-8"?>
-<p:sld xmlns:a="http://schemas.openxmlformats.org/drawingml/2006/main" xmlns:r="http://schemas.openxmlformats.org/officeDocument/2006/relationships" xmlns:p="http://schemas.openxmlformats.org/presentationml/2006/main">
-  <p:cSld>
-    <p:spTree>
-      <p:nvGrpSpPr>
-        <p:cNvPr id="1" name=""/>
-        <p:cNvGrpSpPr/>
-        <p:nvPr/>
-      </p:nvGrpSpPr>
-      <p:grpSpPr>
-        <a:xfrm>
-          <a:off x="0" y="0"/>
-          <a:ext cx="0" cy="0"/>
-          <a:chOff x="0" y="0"/>
-          <a:chExt cx="0" cy="0"/>
-        </a:xfrm>
-      </p:grpSpPr>
-      <p:pic>
-        <p:nvPicPr>
-          <p:cNvPr id="4" name="Picture 3"/>
-          <p:cNvPicPr>
-            <a:picLocks noChangeAspect="1"/>
-          </p:cNvPicPr>
-          <p:nvPr/>
-        </p:nvPicPr>
-        <p:blipFill>
-          <a:blip r:embed="rId2">
-            <a:extLst>
-              <a:ext uri="{28A0092B-C50C-407E-A947-70E740481C1C}">
-                <a14:useLocalDpi xmlns:a14="http://schemas.microsoft.com/office/drawing/2010/main" val="0"/>
-              </a:ext>
-            </a:extLst>
-          </a:blip>
-          <a:stretch>
-            <a:fillRect/>
-          </a:stretch>
-        </p:blipFill>
-        <p:spPr>
-          <a:xfrm>
-            <a:off x="2918799" y="231819"/>
-            <a:ext cx="6122170" cy="6501941"/>
-          </a:xfrm>
-          <a:prstGeom prst="rect">
-            <a:avLst/>
-          </a:prstGeom>
-        </p:spPr>
-      </p:pic>
-    </p:spTree>
-    <p:extLst>
-      <p:ext uri="{BB962C8B-B14F-4D97-AF65-F5344CB8AC3E}">
-        <p14:creationId xmlns:p14="http://schemas.microsoft.com/office/powerpoint/2010/main" val="2554799438"/>
-      </p:ext>
-    </p:extLst>
-  </p:cSld>
-  <p:clrMapOvr>
-    <a:masterClrMapping/>
-  </p:clrMapOvr>
-  <p:timing>
-    <p:tnLst>
-      <p:par>
-        <p:cTn id="1" dur="indefinite" restart="never" nodeType="tmRoot"/>
-      </p:par>
-    </p:tnLst>
-  </p:timing>
 </p:sld>
 </file>
 
